--- a/resource/presentation/JavaOne SFO - 2016/JPAModeler JavaOne SFO - 2016 - CONF.pptx
+++ b/resource/presentation/JavaOne SFO - 2016/JPAModeler JavaOne SFO - 2016 - CONF.pptx
@@ -5,17 +5,16 @@
     <p:sldMasterId id="2147483660" r:id="rId1"/>
   </p:sldMasterIdLst>
   <p:notesMasterIdLst>
-    <p:notesMasterId r:id="rId7"/>
+    <p:notesMasterId r:id="rId6"/>
   </p:notesMasterIdLst>
   <p:handoutMasterIdLst>
-    <p:handoutMasterId r:id="rId8"/>
+    <p:handoutMasterId r:id="rId7"/>
   </p:handoutMasterIdLst>
   <p:sldIdLst>
-    <p:sldId id="301" r:id="rId2"/>
-    <p:sldId id="284" r:id="rId3"/>
-    <p:sldId id="297" r:id="rId4"/>
-    <p:sldId id="291" r:id="rId5"/>
-    <p:sldId id="290" r:id="rId6"/>
+    <p:sldId id="284" r:id="rId2"/>
+    <p:sldId id="297" r:id="rId3"/>
+    <p:sldId id="291" r:id="rId4"/>
+    <p:sldId id="290" r:id="rId5"/>
   </p:sldIdLst>
   <p:sldSz cx="12192000" cy="6858000"/>
   <p:notesSz cx="6858000" cy="9144000"/>
@@ -314,7 +313,7 @@
           <a:p>
             <a:fld id="{9B2569C3-B665-4FC2-A1C0-937A4220DCD2}" type="datetimeFigureOut">
               <a:rPr lang="en-GB" smtClean="0"/>
-              <a:t>07/09/2016</a:t>
+              <a:t>08/09/2016</a:t>
             </a:fld>
             <a:endParaRPr lang="en-GB"/>
           </a:p>
@@ -975,7 +974,7 @@
                 <a:cs typeface="Arial"/>
                 <a:sym typeface="Arial"/>
               </a:rPr>
-              <a:t>4</a:t>
+              <a:t>3</a:t>
             </a:fld>
             <a:endParaRPr lang="en-US" sz="1200" b="0" i="0" u="none" strike="noStrike" cap="none">
               <a:solidFill>
@@ -1152,7 +1151,7 @@
                 <a:cs typeface="Arial"/>
                 <a:sym typeface="Arial"/>
               </a:rPr>
-              <a:t>5</a:t>
+              <a:t>4</a:t>
             </a:fld>
             <a:endParaRPr lang="en-US" sz="1200" strike="noStrike">
               <a:solidFill>
@@ -1221,996 +1220,6 @@
 </file>
 
 <file path=ppt/slideLayouts/slideLayout1.xml><?xml version="1.0" encoding="utf-8"?>
-<p:sldLayout xmlns:a="http://schemas.openxmlformats.org/drawingml/2006/main" xmlns:r="http://schemas.openxmlformats.org/officeDocument/2006/relationships" xmlns:p="http://schemas.openxmlformats.org/presentationml/2006/main" type="obj">
-  <p:cSld name="Title and Content">
-    <p:spTree>
-      <p:nvGrpSpPr>
-        <p:cNvPr id="1" name="Shape 118"/>
-        <p:cNvGrpSpPr/>
-        <p:nvPr/>
-      </p:nvGrpSpPr>
-      <p:grpSpPr>
-        <a:xfrm>
-          <a:off x="0" y="0"/>
-          <a:ext cx="0" cy="0"/>
-          <a:chOff x="0" y="0"/>
-          <a:chExt cx="0" cy="0"/>
-        </a:xfrm>
-      </p:grpSpPr>
-      <p:sp>
-        <p:nvSpPr>
-          <p:cNvPr id="119" name="Shape 119"/>
-          <p:cNvSpPr txBox="1">
-            <a:spLocks noGrp="1"/>
-          </p:cNvSpPr>
-          <p:nvPr>
-            <p:ph type="title"/>
-          </p:nvPr>
-        </p:nvSpPr>
-        <p:spPr>
-          <a:xfrm>
-            <a:off x="1295400" y="503852"/>
-            <a:ext cx="9601200" cy="1142400"/>
-          </a:xfrm>
-          <a:prstGeom prst="rect">
-            <a:avLst/>
-          </a:prstGeom>
-          <a:noFill/>
-          <a:ln>
-            <a:noFill/>
-          </a:ln>
-        </p:spPr>
-        <p:txBody>
-          <a:bodyPr lIns="91425" tIns="91425" rIns="91425" bIns="91425" numCol="1" anchor="b" anchorCtr="0"/>
-          <a:lstStyle>
-            <a:lvl1pPr marL="0" marR="0" lvl="0" indent="0" algn="l" rtl="0">
-              <a:lnSpc>
-                <a:spcPct val="90000"/>
-              </a:lnSpc>
-              <a:spcBef>
-                <a:spcPts val="0"/>
-              </a:spcBef>
-              <a:buClr>
-                <a:schemeClr val="accent1"/>
-              </a:buClr>
-              <a:buFont typeface="Arial"/>
-              <a:buNone/>
-              <a:defRPr sz="3200" b="1" i="0" u="none" strike="noStrike" cap="none">
-                <a:solidFill>
-                  <a:schemeClr val="accent1"/>
-                </a:solidFill>
-                <a:latin typeface="Arial"/>
-                <a:ea typeface="Arial"/>
-                <a:cs typeface="Arial"/>
-                <a:sym typeface="Arial"/>
-              </a:defRPr>
-            </a:lvl1pPr>
-            <a:lvl2pPr lvl="1" indent="0">
-              <a:spcBef>
-                <a:spcPts val="0"/>
-              </a:spcBef>
-              <a:buNone/>
-              <a:defRPr sz="1800"/>
-            </a:lvl2pPr>
-            <a:lvl3pPr lvl="2" indent="0">
-              <a:spcBef>
-                <a:spcPts val="0"/>
-              </a:spcBef>
-              <a:buNone/>
-              <a:defRPr sz="1800"/>
-            </a:lvl3pPr>
-            <a:lvl4pPr lvl="3" indent="0">
-              <a:spcBef>
-                <a:spcPts val="0"/>
-              </a:spcBef>
-              <a:buNone/>
-              <a:defRPr sz="1800"/>
-            </a:lvl4pPr>
-            <a:lvl5pPr lvl="4" indent="0">
-              <a:spcBef>
-                <a:spcPts val="0"/>
-              </a:spcBef>
-              <a:buNone/>
-              <a:defRPr sz="1800"/>
-            </a:lvl5pPr>
-            <a:lvl6pPr lvl="5" indent="0">
-              <a:spcBef>
-                <a:spcPts val="0"/>
-              </a:spcBef>
-              <a:buNone/>
-              <a:defRPr sz="1800"/>
-            </a:lvl6pPr>
-            <a:lvl7pPr lvl="6" indent="0">
-              <a:spcBef>
-                <a:spcPts val="0"/>
-              </a:spcBef>
-              <a:buNone/>
-              <a:defRPr sz="1800"/>
-            </a:lvl7pPr>
-            <a:lvl8pPr lvl="7" indent="0">
-              <a:spcBef>
-                <a:spcPts val="0"/>
-              </a:spcBef>
-              <a:buNone/>
-              <a:defRPr sz="1800"/>
-            </a:lvl8pPr>
-            <a:lvl9pPr lvl="8" indent="0">
-              <a:spcBef>
-                <a:spcPts val="0"/>
-              </a:spcBef>
-              <a:buNone/>
-              <a:defRPr sz="1800"/>
-            </a:lvl9pPr>
-          </a:lstStyle>
-          <a:p>
-            <a:endParaRPr/>
-          </a:p>
-        </p:txBody>
-      </p:sp>
-      <p:sp>
-        <p:nvSpPr>
-          <p:cNvPr id="120" name="Shape 120"/>
-          <p:cNvSpPr txBox="1">
-            <a:spLocks noGrp="1"/>
-          </p:cNvSpPr>
-          <p:nvPr>
-            <p:ph type="body" idx="1"/>
-          </p:nvPr>
-        </p:nvSpPr>
-        <p:spPr>
-          <a:xfrm>
-            <a:off x="1295400" y="1981200"/>
-            <a:ext cx="9601200" cy="3810000"/>
-          </a:xfrm>
-          <a:prstGeom prst="rect">
-            <a:avLst/>
-          </a:prstGeom>
-          <a:noFill/>
-          <a:ln>
-            <a:noFill/>
-          </a:ln>
-        </p:spPr>
-        <p:txBody>
-          <a:bodyPr lIns="91425" tIns="91425" rIns="91425" bIns="91425" numCol="1" anchor="t" anchorCtr="0"/>
-          <a:lstStyle>
-            <a:lvl1pPr marL="228600" marR="0" lvl="0" indent="-101600" algn="l" rtl="0">
-              <a:lnSpc>
-                <a:spcPct val="90000"/>
-              </a:lnSpc>
-              <a:spcBef>
-                <a:spcPts val="1800"/>
-              </a:spcBef>
-              <a:buClr>
-                <a:schemeClr val="accent1"/>
-              </a:buClr>
-              <a:buSzPct val="100000"/>
-              <a:buFont typeface="Arial"/>
-              <a:buChar char="▪"/>
-              <a:defRPr sz="2000" b="0" i="0" u="none" strike="noStrike" cap="none">
-                <a:solidFill>
-                  <a:schemeClr val="dk1"/>
-                </a:solidFill>
-                <a:latin typeface="Arial"/>
-                <a:ea typeface="Arial"/>
-                <a:cs typeface="Arial"/>
-                <a:sym typeface="Arial"/>
-              </a:defRPr>
-            </a:lvl1pPr>
-            <a:lvl2pPr marL="457200" marR="0" lvl="1" indent="-76200" algn="l" rtl="0">
-              <a:lnSpc>
-                <a:spcPct val="90000"/>
-              </a:lnSpc>
-              <a:spcBef>
-                <a:spcPts val="1200"/>
-              </a:spcBef>
-              <a:buClr>
-                <a:schemeClr val="accent1"/>
-              </a:buClr>
-              <a:buSzPct val="100000"/>
-              <a:buFont typeface="Arial"/>
-              <a:buChar char="▪"/>
-              <a:defRPr sz="1800" b="0" i="0" u="none" strike="noStrike" cap="none">
-                <a:solidFill>
-                  <a:schemeClr val="dk1"/>
-                </a:solidFill>
-                <a:latin typeface="Arial"/>
-                <a:ea typeface="Arial"/>
-                <a:cs typeface="Arial"/>
-                <a:sym typeface="Arial"/>
-              </a:defRPr>
-            </a:lvl2pPr>
-            <a:lvl3pPr marL="685800" marR="0" lvl="2" indent="-88900" algn="l" rtl="0">
-              <a:lnSpc>
-                <a:spcPct val="90000"/>
-              </a:lnSpc>
-              <a:spcBef>
-                <a:spcPts val="800"/>
-              </a:spcBef>
-              <a:buClr>
-                <a:schemeClr val="accent1"/>
-              </a:buClr>
-              <a:buSzPct val="100000"/>
-              <a:buFont typeface="Arial"/>
-              <a:buChar char="▪"/>
-              <a:defRPr sz="1600" b="0" i="0" u="none" strike="noStrike" cap="none">
-                <a:solidFill>
-                  <a:schemeClr val="dk1"/>
-                </a:solidFill>
-                <a:latin typeface="Arial"/>
-                <a:ea typeface="Arial"/>
-                <a:cs typeface="Arial"/>
-                <a:sym typeface="Arial"/>
-              </a:defRPr>
-            </a:lvl3pPr>
-            <a:lvl4pPr marL="914400" marR="0" lvl="3" indent="-101600" algn="l" rtl="0">
-              <a:lnSpc>
-                <a:spcPct val="90000"/>
-              </a:lnSpc>
-              <a:spcBef>
-                <a:spcPts val="800"/>
-              </a:spcBef>
-              <a:buClr>
-                <a:schemeClr val="accent1"/>
-              </a:buClr>
-              <a:buSzPct val="100000"/>
-              <a:buFont typeface="Arial"/>
-              <a:buChar char="▪"/>
-              <a:defRPr sz="1400" b="0" i="0" u="none" strike="noStrike" cap="none">
-                <a:solidFill>
-                  <a:schemeClr val="dk1"/>
-                </a:solidFill>
-                <a:latin typeface="Arial"/>
-                <a:ea typeface="Arial"/>
-                <a:cs typeface="Arial"/>
-                <a:sym typeface="Arial"/>
-              </a:defRPr>
-            </a:lvl4pPr>
-            <a:lvl5pPr marL="1143000" marR="0" lvl="4" indent="-101600" algn="l" rtl="0">
-              <a:lnSpc>
-                <a:spcPct val="90000"/>
-              </a:lnSpc>
-              <a:spcBef>
-                <a:spcPts val="600"/>
-              </a:spcBef>
-              <a:buClr>
-                <a:schemeClr val="accent1"/>
-              </a:buClr>
-              <a:buSzPct val="100000"/>
-              <a:buFont typeface="Arial"/>
-              <a:buChar char="▪"/>
-              <a:defRPr sz="1400" b="0" i="0" u="none" strike="noStrike" cap="none">
-                <a:solidFill>
-                  <a:schemeClr val="dk1"/>
-                </a:solidFill>
-                <a:latin typeface="Arial"/>
-                <a:ea typeface="Arial"/>
-                <a:cs typeface="Arial"/>
-                <a:sym typeface="Arial"/>
-              </a:defRPr>
-            </a:lvl5pPr>
-            <a:lvl6pPr marL="1371600" marR="0" lvl="5" indent="-101600" algn="l" rtl="0">
-              <a:lnSpc>
-                <a:spcPct val="90000"/>
-              </a:lnSpc>
-              <a:spcBef>
-                <a:spcPts val="600"/>
-              </a:spcBef>
-              <a:buClr>
-                <a:schemeClr val="accent1"/>
-              </a:buClr>
-              <a:buSzPct val="100000"/>
-              <a:buFont typeface="Arial"/>
-              <a:buChar char="▪"/>
-              <a:defRPr sz="1400" b="0" i="0" u="none" strike="noStrike" cap="none">
-                <a:solidFill>
-                  <a:schemeClr val="dk1"/>
-                </a:solidFill>
-                <a:latin typeface="Arial"/>
-                <a:ea typeface="Arial"/>
-                <a:cs typeface="Arial"/>
-                <a:sym typeface="Arial"/>
-              </a:defRPr>
-            </a:lvl6pPr>
-            <a:lvl7pPr marL="1600200" marR="0" lvl="6" indent="-101600" algn="l" rtl="0">
-              <a:lnSpc>
-                <a:spcPct val="90000"/>
-              </a:lnSpc>
-              <a:spcBef>
-                <a:spcPts val="600"/>
-              </a:spcBef>
-              <a:buClr>
-                <a:schemeClr val="accent1"/>
-              </a:buClr>
-              <a:buSzPct val="100000"/>
-              <a:buFont typeface="Arial"/>
-              <a:buChar char="▪"/>
-              <a:defRPr sz="1400" b="0" i="0" u="none" strike="noStrike" cap="none">
-                <a:solidFill>
-                  <a:schemeClr val="dk1"/>
-                </a:solidFill>
-                <a:latin typeface="Arial"/>
-                <a:ea typeface="Arial"/>
-                <a:cs typeface="Arial"/>
-                <a:sym typeface="Arial"/>
-              </a:defRPr>
-            </a:lvl7pPr>
-            <a:lvl8pPr marL="1828800" marR="0" lvl="7" indent="-101600" algn="l" rtl="0">
-              <a:lnSpc>
-                <a:spcPct val="90000"/>
-              </a:lnSpc>
-              <a:spcBef>
-                <a:spcPts val="600"/>
-              </a:spcBef>
-              <a:buClr>
-                <a:schemeClr val="accent1"/>
-              </a:buClr>
-              <a:buSzPct val="100000"/>
-              <a:buFont typeface="Arial"/>
-              <a:buChar char="▪"/>
-              <a:defRPr sz="1400" b="0" i="0" u="none" strike="noStrike" cap="none">
-                <a:solidFill>
-                  <a:schemeClr val="dk1"/>
-                </a:solidFill>
-                <a:latin typeface="Arial"/>
-                <a:ea typeface="Arial"/>
-                <a:cs typeface="Arial"/>
-                <a:sym typeface="Arial"/>
-              </a:defRPr>
-            </a:lvl8pPr>
-            <a:lvl9pPr marL="2057400" marR="0" lvl="8" indent="-101600" algn="l" rtl="0">
-              <a:lnSpc>
-                <a:spcPct val="90000"/>
-              </a:lnSpc>
-              <a:spcBef>
-                <a:spcPts val="600"/>
-              </a:spcBef>
-              <a:buClr>
-                <a:schemeClr val="accent1"/>
-              </a:buClr>
-              <a:buSzPct val="100000"/>
-              <a:buFont typeface="Arial"/>
-              <a:buChar char="▪"/>
-              <a:defRPr sz="1400" b="0" i="0" u="none" strike="noStrike" cap="none">
-                <a:solidFill>
-                  <a:schemeClr val="dk1"/>
-                </a:solidFill>
-                <a:latin typeface="Arial"/>
-                <a:ea typeface="Arial"/>
-                <a:cs typeface="Arial"/>
-                <a:sym typeface="Arial"/>
-              </a:defRPr>
-            </a:lvl9pPr>
-          </a:lstStyle>
-          <a:p>
-            <a:endParaRPr/>
-          </a:p>
-        </p:txBody>
-      </p:sp>
-      <p:sp>
-        <p:nvSpPr>
-          <p:cNvPr id="121" name="Shape 121"/>
-          <p:cNvSpPr txBox="1">
-            <a:spLocks noGrp="1"/>
-          </p:cNvSpPr>
-          <p:nvPr>
-            <p:ph type="dt" idx="10"/>
-          </p:nvPr>
-        </p:nvSpPr>
-        <p:spPr>
-          <a:xfrm>
-            <a:off x="9294042" y="6289678"/>
-            <a:ext cx="966000" cy="222300"/>
-          </a:xfrm>
-          <a:prstGeom prst="rect">
-            <a:avLst/>
-          </a:prstGeom>
-          <a:noFill/>
-          <a:ln>
-            <a:noFill/>
-          </a:ln>
-        </p:spPr>
-        <p:txBody>
-          <a:bodyPr lIns="91425" tIns="91425" rIns="91425" bIns="91425" numCol="1" anchor="ctr" anchorCtr="0"/>
-          <a:lstStyle>
-            <a:lvl1pPr marL="0" marR="0" lvl="0" indent="0" algn="r" rtl="0">
-              <a:spcBef>
-                <a:spcPts val="0"/>
-              </a:spcBef>
-              <a:buNone/>
-              <a:defRPr sz="800" b="0" i="0" u="none" strike="noStrike" cap="none">
-                <a:solidFill>
-                  <a:srgbClr val="959595"/>
-                </a:solidFill>
-                <a:latin typeface="Arial"/>
-                <a:ea typeface="Arial"/>
-                <a:cs typeface="Arial"/>
-                <a:sym typeface="Arial"/>
-              </a:defRPr>
-            </a:lvl1pPr>
-            <a:lvl2pPr marL="457200" marR="0" lvl="1" indent="0" algn="l" rtl="0">
-              <a:spcBef>
-                <a:spcPts val="0"/>
-              </a:spcBef>
-              <a:buNone/>
-              <a:defRPr sz="1800" b="0" i="0" u="none" strike="noStrike" cap="none">
-                <a:solidFill>
-                  <a:schemeClr val="dk1"/>
-                </a:solidFill>
-                <a:latin typeface="Arial"/>
-                <a:ea typeface="Arial"/>
-                <a:cs typeface="Arial"/>
-                <a:sym typeface="Arial"/>
-              </a:defRPr>
-            </a:lvl2pPr>
-            <a:lvl3pPr marL="914400" marR="0" lvl="2" indent="0" algn="l" rtl="0">
-              <a:spcBef>
-                <a:spcPts val="0"/>
-              </a:spcBef>
-              <a:buNone/>
-              <a:defRPr sz="1800" b="0" i="0" u="none" strike="noStrike" cap="none">
-                <a:solidFill>
-                  <a:schemeClr val="dk1"/>
-                </a:solidFill>
-                <a:latin typeface="Arial"/>
-                <a:ea typeface="Arial"/>
-                <a:cs typeface="Arial"/>
-                <a:sym typeface="Arial"/>
-              </a:defRPr>
-            </a:lvl3pPr>
-            <a:lvl4pPr marL="1371600" marR="0" lvl="3" indent="0" algn="l" rtl="0">
-              <a:spcBef>
-                <a:spcPts val="0"/>
-              </a:spcBef>
-              <a:buNone/>
-              <a:defRPr sz="1800" b="0" i="0" u="none" strike="noStrike" cap="none">
-                <a:solidFill>
-                  <a:schemeClr val="dk1"/>
-                </a:solidFill>
-                <a:latin typeface="Arial"/>
-                <a:ea typeface="Arial"/>
-                <a:cs typeface="Arial"/>
-                <a:sym typeface="Arial"/>
-              </a:defRPr>
-            </a:lvl4pPr>
-            <a:lvl5pPr marL="1828800" marR="0" lvl="4" indent="0" algn="l" rtl="0">
-              <a:spcBef>
-                <a:spcPts val="0"/>
-              </a:spcBef>
-              <a:buNone/>
-              <a:defRPr sz="1800" b="0" i="0" u="none" strike="noStrike" cap="none">
-                <a:solidFill>
-                  <a:schemeClr val="dk1"/>
-                </a:solidFill>
-                <a:latin typeface="Arial"/>
-                <a:ea typeface="Arial"/>
-                <a:cs typeface="Arial"/>
-                <a:sym typeface="Arial"/>
-              </a:defRPr>
-            </a:lvl5pPr>
-            <a:lvl6pPr marL="2286000" marR="0" lvl="5" indent="0" algn="l" rtl="0">
-              <a:spcBef>
-                <a:spcPts val="0"/>
-              </a:spcBef>
-              <a:buNone/>
-              <a:defRPr sz="1800" b="0" i="0" u="none" strike="noStrike" cap="none">
-                <a:solidFill>
-                  <a:schemeClr val="dk1"/>
-                </a:solidFill>
-                <a:latin typeface="Arial"/>
-                <a:ea typeface="Arial"/>
-                <a:cs typeface="Arial"/>
-                <a:sym typeface="Arial"/>
-              </a:defRPr>
-            </a:lvl6pPr>
-            <a:lvl7pPr marL="2743200" marR="0" lvl="6" indent="0" algn="l" rtl="0">
-              <a:spcBef>
-                <a:spcPts val="0"/>
-              </a:spcBef>
-              <a:buNone/>
-              <a:defRPr sz="1800" b="0" i="0" u="none" strike="noStrike" cap="none">
-                <a:solidFill>
-                  <a:schemeClr val="dk1"/>
-                </a:solidFill>
-                <a:latin typeface="Arial"/>
-                <a:ea typeface="Arial"/>
-                <a:cs typeface="Arial"/>
-                <a:sym typeface="Arial"/>
-              </a:defRPr>
-            </a:lvl7pPr>
-            <a:lvl8pPr marL="3200400" marR="0" lvl="7" indent="0" algn="l" rtl="0">
-              <a:spcBef>
-                <a:spcPts val="0"/>
-              </a:spcBef>
-              <a:buNone/>
-              <a:defRPr sz="1800" b="0" i="0" u="none" strike="noStrike" cap="none">
-                <a:solidFill>
-                  <a:schemeClr val="dk1"/>
-                </a:solidFill>
-                <a:latin typeface="Arial"/>
-                <a:ea typeface="Arial"/>
-                <a:cs typeface="Arial"/>
-                <a:sym typeface="Arial"/>
-              </a:defRPr>
-            </a:lvl8pPr>
-            <a:lvl9pPr marL="3657600" marR="0" lvl="8" indent="0" algn="l" rtl="0">
-              <a:spcBef>
-                <a:spcPts val="0"/>
-              </a:spcBef>
-              <a:buNone/>
-              <a:defRPr sz="1800" b="0" i="0" u="none" strike="noStrike" cap="none">
-                <a:solidFill>
-                  <a:schemeClr val="dk1"/>
-                </a:solidFill>
-                <a:latin typeface="Arial"/>
-                <a:ea typeface="Arial"/>
-                <a:cs typeface="Arial"/>
-                <a:sym typeface="Arial"/>
-              </a:defRPr>
-            </a:lvl9pPr>
-          </a:lstStyle>
-          <a:p>
-            <a:endParaRPr/>
-          </a:p>
-        </p:txBody>
-      </p:sp>
-      <p:sp>
-        <p:nvSpPr>
-          <p:cNvPr id="122" name="Shape 122"/>
-          <p:cNvSpPr txBox="1">
-            <a:spLocks noGrp="1"/>
-          </p:cNvSpPr>
-          <p:nvPr>
-            <p:ph type="ftr" idx="11"/>
-          </p:nvPr>
-        </p:nvSpPr>
-        <p:spPr>
-          <a:xfrm>
-            <a:off x="609600" y="6289678"/>
-            <a:ext cx="6128100" cy="222300"/>
-          </a:xfrm>
-          <a:prstGeom prst="rect">
-            <a:avLst/>
-          </a:prstGeom>
-          <a:noFill/>
-          <a:ln>
-            <a:noFill/>
-          </a:ln>
-        </p:spPr>
-        <p:txBody>
-          <a:bodyPr lIns="91425" tIns="91425" rIns="91425" bIns="91425" numCol="1" anchor="ctr" anchorCtr="0"/>
-          <a:lstStyle>
-            <a:lvl1pPr marL="0" marR="0" lvl="0" indent="0" algn="l" rtl="0">
-              <a:spcBef>
-                <a:spcPts val="0"/>
-              </a:spcBef>
-              <a:buNone/>
-              <a:defRPr sz="800" b="0" i="0" u="none" strike="noStrike" cap="none">
-                <a:solidFill>
-                  <a:srgbClr val="959595"/>
-                </a:solidFill>
-                <a:latin typeface="Arial"/>
-                <a:ea typeface="Arial"/>
-                <a:cs typeface="Arial"/>
-                <a:sym typeface="Arial"/>
-              </a:defRPr>
-            </a:lvl1pPr>
-            <a:lvl2pPr marL="457200" marR="0" lvl="1" indent="0" algn="l" rtl="0">
-              <a:spcBef>
-                <a:spcPts val="0"/>
-              </a:spcBef>
-              <a:buNone/>
-              <a:defRPr sz="1800" b="0" i="0" u="none" strike="noStrike" cap="none">
-                <a:solidFill>
-                  <a:schemeClr val="dk1"/>
-                </a:solidFill>
-                <a:latin typeface="Arial"/>
-                <a:ea typeface="Arial"/>
-                <a:cs typeface="Arial"/>
-                <a:sym typeface="Arial"/>
-              </a:defRPr>
-            </a:lvl2pPr>
-            <a:lvl3pPr marL="914400" marR="0" lvl="2" indent="0" algn="l" rtl="0">
-              <a:spcBef>
-                <a:spcPts val="0"/>
-              </a:spcBef>
-              <a:buNone/>
-              <a:defRPr sz="1800" b="0" i="0" u="none" strike="noStrike" cap="none">
-                <a:solidFill>
-                  <a:schemeClr val="dk1"/>
-                </a:solidFill>
-                <a:latin typeface="Arial"/>
-                <a:ea typeface="Arial"/>
-                <a:cs typeface="Arial"/>
-                <a:sym typeface="Arial"/>
-              </a:defRPr>
-            </a:lvl3pPr>
-            <a:lvl4pPr marL="1371600" marR="0" lvl="3" indent="0" algn="l" rtl="0">
-              <a:spcBef>
-                <a:spcPts val="0"/>
-              </a:spcBef>
-              <a:buNone/>
-              <a:defRPr sz="1800" b="0" i="0" u="none" strike="noStrike" cap="none">
-                <a:solidFill>
-                  <a:schemeClr val="dk1"/>
-                </a:solidFill>
-                <a:latin typeface="Arial"/>
-                <a:ea typeface="Arial"/>
-                <a:cs typeface="Arial"/>
-                <a:sym typeface="Arial"/>
-              </a:defRPr>
-            </a:lvl4pPr>
-            <a:lvl5pPr marL="1828800" marR="0" lvl="4" indent="0" algn="l" rtl="0">
-              <a:spcBef>
-                <a:spcPts val="0"/>
-              </a:spcBef>
-              <a:buNone/>
-              <a:defRPr sz="1800" b="0" i="0" u="none" strike="noStrike" cap="none">
-                <a:solidFill>
-                  <a:schemeClr val="dk1"/>
-                </a:solidFill>
-                <a:latin typeface="Arial"/>
-                <a:ea typeface="Arial"/>
-                <a:cs typeface="Arial"/>
-                <a:sym typeface="Arial"/>
-              </a:defRPr>
-            </a:lvl5pPr>
-            <a:lvl6pPr marL="2286000" marR="0" lvl="5" indent="0" algn="l" rtl="0">
-              <a:spcBef>
-                <a:spcPts val="0"/>
-              </a:spcBef>
-              <a:buNone/>
-              <a:defRPr sz="1800" b="0" i="0" u="none" strike="noStrike" cap="none">
-                <a:solidFill>
-                  <a:schemeClr val="dk1"/>
-                </a:solidFill>
-                <a:latin typeface="Arial"/>
-                <a:ea typeface="Arial"/>
-                <a:cs typeface="Arial"/>
-                <a:sym typeface="Arial"/>
-              </a:defRPr>
-            </a:lvl6pPr>
-            <a:lvl7pPr marL="2743200" marR="0" lvl="6" indent="0" algn="l" rtl="0">
-              <a:spcBef>
-                <a:spcPts val="0"/>
-              </a:spcBef>
-              <a:buNone/>
-              <a:defRPr sz="1800" b="0" i="0" u="none" strike="noStrike" cap="none">
-                <a:solidFill>
-                  <a:schemeClr val="dk1"/>
-                </a:solidFill>
-                <a:latin typeface="Arial"/>
-                <a:ea typeface="Arial"/>
-                <a:cs typeface="Arial"/>
-                <a:sym typeface="Arial"/>
-              </a:defRPr>
-            </a:lvl7pPr>
-            <a:lvl8pPr marL="3200400" marR="0" lvl="7" indent="0" algn="l" rtl="0">
-              <a:spcBef>
-                <a:spcPts val="0"/>
-              </a:spcBef>
-              <a:buNone/>
-              <a:defRPr sz="1800" b="0" i="0" u="none" strike="noStrike" cap="none">
-                <a:solidFill>
-                  <a:schemeClr val="dk1"/>
-                </a:solidFill>
-                <a:latin typeface="Arial"/>
-                <a:ea typeface="Arial"/>
-                <a:cs typeface="Arial"/>
-                <a:sym typeface="Arial"/>
-              </a:defRPr>
-            </a:lvl8pPr>
-            <a:lvl9pPr marL="3657600" marR="0" lvl="8" indent="0" algn="l" rtl="0">
-              <a:spcBef>
-                <a:spcPts val="0"/>
-              </a:spcBef>
-              <a:buNone/>
-              <a:defRPr sz="1800" b="0" i="0" u="none" strike="noStrike" cap="none">
-                <a:solidFill>
-                  <a:schemeClr val="dk1"/>
-                </a:solidFill>
-                <a:latin typeface="Arial"/>
-                <a:ea typeface="Arial"/>
-                <a:cs typeface="Arial"/>
-                <a:sym typeface="Arial"/>
-              </a:defRPr>
-            </a:lvl9pPr>
-          </a:lstStyle>
-          <a:p>
-            <a:endParaRPr/>
-          </a:p>
-        </p:txBody>
-      </p:sp>
-      <p:sp>
-        <p:nvSpPr>
-          <p:cNvPr id="123" name="Shape 123"/>
-          <p:cNvSpPr txBox="1">
-            <a:spLocks noGrp="1"/>
-          </p:cNvSpPr>
-          <p:nvPr>
-            <p:ph type="sldNum" idx="12"/>
-          </p:nvPr>
-        </p:nvSpPr>
-        <p:spPr>
-          <a:xfrm>
-            <a:off x="10665310" y="6289678"/>
-            <a:ext cx="918900" cy="222300"/>
-          </a:xfrm>
-          <a:prstGeom prst="rect">
-            <a:avLst/>
-          </a:prstGeom>
-          <a:noFill/>
-          <a:ln>
-            <a:noFill/>
-          </a:ln>
-        </p:spPr>
-        <p:txBody>
-          <a:bodyPr lIns="91425" tIns="45700" rIns="91425" bIns="45700" numCol="1" anchor="ctr" anchorCtr="0">
-            <a:noAutofit/>
-          </a:bodyPr>
-          <a:lstStyle/>
-          <a:p>
-            <a:pPr marL="0" marR="0" lvl="0" indent="0" algn="r" rtl="0">
-              <a:spcBef>
-                <a:spcPts val="0"/>
-              </a:spcBef>
-              <a:buSzPct val="25000"/>
-              <a:buNone/>
-            </a:pPr>
-            <a:fld id="{00000000-1234-1234-1234-123412341234}" type="slidenum">
-              <a:rPr lang="en-US" sz="800" b="0" i="0" u="none" strike="noStrike" cap="none">
-                <a:solidFill>
-                  <a:srgbClr val="959595"/>
-                </a:solidFill>
-                <a:latin typeface="Arial"/>
-                <a:ea typeface="Arial"/>
-                <a:cs typeface="Arial"/>
-                <a:sym typeface="Arial"/>
-              </a:rPr>
-              <a:t>‹#›</a:t>
-            </a:fld>
-            <a:endParaRPr lang="en-US" sz="800" b="0" i="0" u="none" strike="noStrike" cap="none">
-              <a:solidFill>
-                <a:srgbClr val="959595"/>
-              </a:solidFill>
-              <a:latin typeface="Arial"/>
-              <a:ea typeface="Arial"/>
-              <a:cs typeface="Arial"/>
-              <a:sym typeface="Arial"/>
-            </a:endParaRPr>
-          </a:p>
-        </p:txBody>
-      </p:sp>
-    </p:spTree>
-  </p:cSld>
-  <p:clrMapOvr>
-    <a:masterClrMapping/>
-  </p:clrMapOvr>
-  <p:timing>
-    <p:tnLst>
-      <p:par>
-        <p:cTn id="1" dur="indefinite" restart="never" nodeType="tmRoot"/>
-      </p:par>
-    </p:tnLst>
-  </p:timing>
-</p:sldLayout>
-</file>
-
-<file path=ppt/slideLayouts/slideLayout10.xml><?xml version="1.0" encoding="utf-8"?>
-<p:sldLayout xmlns:a="http://schemas.openxmlformats.org/drawingml/2006/main" xmlns:r="http://schemas.openxmlformats.org/officeDocument/2006/relationships" xmlns:p="http://schemas.openxmlformats.org/presentationml/2006/main" type="tx">
-  <p:cSld name="Title Slide 1">
-    <p:spTree>
-      <p:nvGrpSpPr>
-        <p:cNvPr id="1" name="Shape 384"/>
-        <p:cNvGrpSpPr/>
-        <p:nvPr/>
-      </p:nvGrpSpPr>
-      <p:grpSpPr>
-        <a:xfrm>
-          <a:off x="0" y="0"/>
-          <a:ext cx="0" cy="0"/>
-          <a:chOff x="0" y="0"/>
-          <a:chExt cx="0" cy="0"/>
-        </a:xfrm>
-      </p:grpSpPr>
-      <p:sp>
-        <p:nvSpPr>
-          <p:cNvPr id="385" name="Shape 385"/>
-          <p:cNvSpPr txBox="1">
-            <a:spLocks noGrp="1"/>
-          </p:cNvSpPr>
-          <p:nvPr>
-            <p:ph type="title"/>
-          </p:nvPr>
-        </p:nvSpPr>
-        <p:spPr>
-          <a:xfrm>
-            <a:off x="1294920" y="504000"/>
-            <a:ext cx="9600900" cy="1141800"/>
-          </a:xfrm>
-          <a:prstGeom prst="rect">
-            <a:avLst/>
-          </a:prstGeom>
-          <a:noFill/>
-          <a:ln>
-            <a:noFill/>
-          </a:ln>
-        </p:spPr>
-        <p:txBody>
-          <a:bodyPr lIns="91425" tIns="91425" rIns="91425" bIns="91425" numCol="1" anchor="ctr" anchorCtr="0"/>
-          <a:lstStyle>
-            <a:lvl1pPr marL="0" marR="0" lvl="0" indent="0" algn="l" rtl="0">
-              <a:spcBef>
-                <a:spcPts val="0"/>
-              </a:spcBef>
-              <a:buNone/>
-              <a:defRPr sz="1800" b="0" i="0" u="none" strike="noStrike" cap="none"/>
-            </a:lvl1pPr>
-            <a:lvl2pPr marL="0" marR="0" lvl="1" indent="0" algn="l" rtl="0">
-              <a:spcBef>
-                <a:spcPts val="0"/>
-              </a:spcBef>
-              <a:buNone/>
-              <a:defRPr sz="1800" b="0" i="0" u="none" strike="noStrike" cap="none"/>
-            </a:lvl2pPr>
-            <a:lvl3pPr marL="0" marR="0" lvl="2" indent="0" algn="l" rtl="0">
-              <a:spcBef>
-                <a:spcPts val="0"/>
-              </a:spcBef>
-              <a:buNone/>
-              <a:defRPr sz="1800" b="0" i="0" u="none" strike="noStrike" cap="none"/>
-            </a:lvl3pPr>
-            <a:lvl4pPr marL="0" marR="0" lvl="3" indent="0" algn="l" rtl="0">
-              <a:spcBef>
-                <a:spcPts val="0"/>
-              </a:spcBef>
-              <a:buNone/>
-              <a:defRPr sz="1800" b="0" i="0" u="none" strike="noStrike" cap="none"/>
-            </a:lvl4pPr>
-            <a:lvl5pPr marL="0" marR="0" lvl="4" indent="0" algn="l" rtl="0">
-              <a:spcBef>
-                <a:spcPts val="0"/>
-              </a:spcBef>
-              <a:buNone/>
-              <a:defRPr sz="1800" b="0" i="0" u="none" strike="noStrike" cap="none"/>
-            </a:lvl5pPr>
-            <a:lvl6pPr marL="0" marR="0" lvl="5" indent="0" algn="l" rtl="0">
-              <a:spcBef>
-                <a:spcPts val="0"/>
-              </a:spcBef>
-              <a:buNone/>
-              <a:defRPr sz="1800" b="0" i="0" u="none" strike="noStrike" cap="none"/>
-            </a:lvl6pPr>
-            <a:lvl7pPr marL="0" marR="0" lvl="6" indent="0" algn="l" rtl="0">
-              <a:spcBef>
-                <a:spcPts val="0"/>
-              </a:spcBef>
-              <a:buNone/>
-              <a:defRPr sz="1800" b="0" i="0" u="none" strike="noStrike" cap="none"/>
-            </a:lvl7pPr>
-            <a:lvl8pPr marL="0" marR="0" lvl="7" indent="0" algn="l" rtl="0">
-              <a:spcBef>
-                <a:spcPts val="0"/>
-              </a:spcBef>
-              <a:buNone/>
-              <a:defRPr sz="1800" b="0" i="0" u="none" strike="noStrike" cap="none"/>
-            </a:lvl8pPr>
-            <a:lvl9pPr marL="0" marR="0" lvl="8" indent="0" algn="l" rtl="0">
-              <a:spcBef>
-                <a:spcPts val="0"/>
-              </a:spcBef>
-              <a:buNone/>
-              <a:defRPr sz="1800" b="0" i="0" u="none" strike="noStrike" cap="none"/>
-            </a:lvl9pPr>
-          </a:lstStyle>
-          <a:p>
-            <a:endParaRPr/>
-          </a:p>
-        </p:txBody>
-      </p:sp>
-      <p:sp>
-        <p:nvSpPr>
-          <p:cNvPr id="386" name="Shape 386"/>
-          <p:cNvSpPr txBox="1">
-            <a:spLocks noGrp="1"/>
-          </p:cNvSpPr>
-          <p:nvPr>
-            <p:ph type="subTitle" idx="1"/>
-          </p:nvPr>
-        </p:nvSpPr>
-        <p:spPr>
-          <a:xfrm>
-            <a:off x="1294920" y="1981080"/>
-            <a:ext cx="9600900" cy="3809400"/>
-          </a:xfrm>
-          <a:prstGeom prst="rect">
-            <a:avLst/>
-          </a:prstGeom>
-          <a:noFill/>
-          <a:ln>
-            <a:noFill/>
-          </a:ln>
-        </p:spPr>
-        <p:txBody>
-          <a:bodyPr lIns="91425" tIns="91425" rIns="91425" bIns="91425" numCol="1" anchor="ctr" anchorCtr="0"/>
-          <a:lstStyle>
-            <a:lvl1pPr marL="0" marR="0" lvl="0" indent="0" algn="l" rtl="0">
-              <a:spcBef>
-                <a:spcPts val="0"/>
-              </a:spcBef>
-              <a:buNone/>
-              <a:defRPr sz="1800" b="0" i="0" u="none" strike="noStrike" cap="none"/>
-            </a:lvl1pPr>
-            <a:lvl2pPr marL="457200" marR="0" lvl="1" indent="0" algn="l" rtl="0">
-              <a:spcBef>
-                <a:spcPts val="0"/>
-              </a:spcBef>
-              <a:buNone/>
-              <a:defRPr sz="1800" b="0" i="0" u="none" strike="noStrike" cap="none"/>
-            </a:lvl2pPr>
-            <a:lvl3pPr marL="914400" marR="0" lvl="2" indent="0" algn="l" rtl="0">
-              <a:spcBef>
-                <a:spcPts val="0"/>
-              </a:spcBef>
-              <a:buNone/>
-              <a:defRPr sz="1800" b="0" i="0" u="none" strike="noStrike" cap="none"/>
-            </a:lvl3pPr>
-            <a:lvl4pPr marL="1371600" marR="0" lvl="3" indent="0" algn="l" rtl="0">
-              <a:spcBef>
-                <a:spcPts val="0"/>
-              </a:spcBef>
-              <a:buNone/>
-              <a:defRPr sz="1800" b="0" i="0" u="none" strike="noStrike" cap="none"/>
-            </a:lvl4pPr>
-            <a:lvl5pPr marL="1828800" marR="0" lvl="4" indent="0" algn="l" rtl="0">
-              <a:spcBef>
-                <a:spcPts val="0"/>
-              </a:spcBef>
-              <a:buNone/>
-              <a:defRPr sz="1800" b="0" i="0" u="none" strike="noStrike" cap="none"/>
-            </a:lvl5pPr>
-            <a:lvl6pPr marL="2286000" marR="0" lvl="5" indent="0" algn="l" rtl="0">
-              <a:spcBef>
-                <a:spcPts val="0"/>
-              </a:spcBef>
-              <a:buNone/>
-              <a:defRPr sz="1800" b="0" i="0" u="none" strike="noStrike" cap="none"/>
-            </a:lvl6pPr>
-            <a:lvl7pPr marL="2743200" marR="0" lvl="6" indent="0" algn="l" rtl="0">
-              <a:spcBef>
-                <a:spcPts val="0"/>
-              </a:spcBef>
-              <a:buNone/>
-              <a:defRPr sz="1800" b="0" i="0" u="none" strike="noStrike" cap="none"/>
-            </a:lvl7pPr>
-            <a:lvl8pPr marL="3200400" marR="0" lvl="7" indent="0" algn="l" rtl="0">
-              <a:spcBef>
-                <a:spcPts val="0"/>
-              </a:spcBef>
-              <a:buNone/>
-              <a:defRPr sz="1800" b="0" i="0" u="none" strike="noStrike" cap="none"/>
-            </a:lvl8pPr>
-            <a:lvl9pPr marL="3657600" marR="0" lvl="8" indent="0" algn="l" rtl="0">
-              <a:spcBef>
-                <a:spcPts val="0"/>
-              </a:spcBef>
-              <a:buNone/>
-              <a:defRPr sz="1800" b="0" i="0" u="none" strike="noStrike" cap="none"/>
-            </a:lvl9pPr>
-          </a:lstStyle>
-          <a:p>
-            <a:endParaRPr/>
-          </a:p>
-        </p:txBody>
-      </p:sp>
-    </p:spTree>
-  </p:cSld>
-  <p:clrMapOvr>
-    <a:masterClrMapping/>
-  </p:clrMapOvr>
-</p:sldLayout>
-</file>
-
-<file path=ppt/slideLayouts/slideLayout2.xml><?xml version="1.0" encoding="utf-8"?>
 <p:sldLayout xmlns:a="http://schemas.openxmlformats.org/drawingml/2006/main" xmlns:r="http://schemas.openxmlformats.org/officeDocument/2006/relationships" xmlns:p="http://schemas.openxmlformats.org/presentationml/2006/main" type="twoObj">
   <p:cSld name="Two Content">
     <p:spTree>
@@ -3224,7 +2233,7 @@
 </p:sldLayout>
 </file>
 
-<file path=ppt/slideLayouts/slideLayout3.xml><?xml version="1.0" encoding="utf-8"?>
+<file path=ppt/slideLayouts/slideLayout2.xml><?xml version="1.0" encoding="utf-8"?>
 <p:sldLayout xmlns:a="http://schemas.openxmlformats.org/drawingml/2006/main" xmlns:r="http://schemas.openxmlformats.org/officeDocument/2006/relationships" xmlns:p="http://schemas.openxmlformats.org/presentationml/2006/main" type="secHead">
   <p:cSld name="Section Header">
     <p:bg>
@@ -5007,7 +4016,7 @@
 </p:sldLayout>
 </file>
 
-<file path=ppt/slideLayouts/slideLayout4.xml><?xml version="1.0" encoding="utf-8"?>
+<file path=ppt/slideLayouts/slideLayout3.xml><?xml version="1.0" encoding="utf-8"?>
 <p:sldLayout xmlns:a="http://schemas.openxmlformats.org/drawingml/2006/main" xmlns:r="http://schemas.openxmlformats.org/officeDocument/2006/relationships" xmlns:p="http://schemas.openxmlformats.org/presentationml/2006/main" type="titleOnly">
   <p:cSld name="Title Only">
     <p:spTree>
@@ -5543,7 +4552,7 @@
 </p:sldLayout>
 </file>
 
-<file path=ppt/slideLayouts/slideLayout5.xml><?xml version="1.0" encoding="utf-8"?>
+<file path=ppt/slideLayouts/slideLayout4.xml><?xml version="1.0" encoding="utf-8"?>
 <p:sldLayout xmlns:a="http://schemas.openxmlformats.org/drawingml/2006/main" xmlns:r="http://schemas.openxmlformats.org/officeDocument/2006/relationships" xmlns:p="http://schemas.openxmlformats.org/presentationml/2006/main" type="blank">
   <p:cSld name="Blank">
     <p:spTree>
@@ -7332,7 +6341,7 @@
 </p:sldLayout>
 </file>
 
-<file path=ppt/slideLayouts/slideLayout6.xml><?xml version="1.0" encoding="utf-8"?>
+<file path=ppt/slideLayouts/slideLayout5.xml><?xml version="1.0" encoding="utf-8"?>
 <p:sldLayout xmlns:a="http://schemas.openxmlformats.org/drawingml/2006/main" xmlns:r="http://schemas.openxmlformats.org/officeDocument/2006/relationships" xmlns:p="http://schemas.openxmlformats.org/presentationml/2006/main" type="objTx">
   <p:cSld name="Content with Caption">
     <p:bg>
@@ -9804,7 +8813,7 @@
 </p:sldLayout>
 </file>
 
-<file path=ppt/slideLayouts/slideLayout7.xml><?xml version="1.0" encoding="utf-8"?>
+<file path=ppt/slideLayouts/slideLayout6.xml><?xml version="1.0" encoding="utf-8"?>
 <p:sldLayout xmlns:a="http://schemas.openxmlformats.org/drawingml/2006/main" xmlns:r="http://schemas.openxmlformats.org/officeDocument/2006/relationships" xmlns:p="http://schemas.openxmlformats.org/presentationml/2006/main" type="picTx">
   <p:cSld name="Picture with Caption">
     <p:bg>
@@ -11846,7 +10855,7 @@
 </p:sldLayout>
 </file>
 
-<file path=ppt/slideLayouts/slideLayout8.xml><?xml version="1.0" encoding="utf-8"?>
+<file path=ppt/slideLayouts/slideLayout7.xml><?xml version="1.0" encoding="utf-8"?>
 <p:sldLayout xmlns:a="http://schemas.openxmlformats.org/drawingml/2006/main" xmlns:r="http://schemas.openxmlformats.org/officeDocument/2006/relationships" xmlns:p="http://schemas.openxmlformats.org/presentationml/2006/main" type="vertTx">
   <p:cSld name="Title and Vertical Text">
     <p:spTree>
@@ -12621,7 +11630,7 @@
 </p:sldLayout>
 </file>
 
-<file path=ppt/slideLayouts/slideLayout9.xml><?xml version="1.0" encoding="utf-8"?>
+<file path=ppt/slideLayouts/slideLayout8.xml><?xml version="1.0" encoding="utf-8"?>
 <p:sldLayout xmlns:a="http://schemas.openxmlformats.org/drawingml/2006/main" xmlns:r="http://schemas.openxmlformats.org/officeDocument/2006/relationships" xmlns:p="http://schemas.openxmlformats.org/presentationml/2006/main" type="vertTitleAndTx">
   <p:cSld name="Vertical Title and Text">
     <p:spTree>
@@ -13378,6 +12387,221 @@
               <a:cs typeface="Arial"/>
               <a:sym typeface="Arial"/>
             </a:endParaRPr>
+          </a:p>
+        </p:txBody>
+      </p:sp>
+    </p:spTree>
+  </p:cSld>
+  <p:clrMapOvr>
+    <a:masterClrMapping/>
+  </p:clrMapOvr>
+</p:sldLayout>
+</file>
+
+<file path=ppt/slideLayouts/slideLayout9.xml><?xml version="1.0" encoding="utf-8"?>
+<p:sldLayout xmlns:a="http://schemas.openxmlformats.org/drawingml/2006/main" xmlns:r="http://schemas.openxmlformats.org/officeDocument/2006/relationships" xmlns:p="http://schemas.openxmlformats.org/presentationml/2006/main" type="tx">
+  <p:cSld name="Title Slide 1">
+    <p:spTree>
+      <p:nvGrpSpPr>
+        <p:cNvPr id="1" name="Shape 384"/>
+        <p:cNvGrpSpPr/>
+        <p:nvPr/>
+      </p:nvGrpSpPr>
+      <p:grpSpPr>
+        <a:xfrm>
+          <a:off x="0" y="0"/>
+          <a:ext cx="0" cy="0"/>
+          <a:chOff x="0" y="0"/>
+          <a:chExt cx="0" cy="0"/>
+        </a:xfrm>
+      </p:grpSpPr>
+      <p:sp>
+        <p:nvSpPr>
+          <p:cNvPr id="385" name="Shape 385"/>
+          <p:cNvSpPr txBox="1">
+            <a:spLocks noGrp="1"/>
+          </p:cNvSpPr>
+          <p:nvPr>
+            <p:ph type="title"/>
+          </p:nvPr>
+        </p:nvSpPr>
+        <p:spPr>
+          <a:xfrm>
+            <a:off x="1294920" y="504000"/>
+            <a:ext cx="9600900" cy="1141800"/>
+          </a:xfrm>
+          <a:prstGeom prst="rect">
+            <a:avLst/>
+          </a:prstGeom>
+          <a:noFill/>
+          <a:ln>
+            <a:noFill/>
+          </a:ln>
+        </p:spPr>
+        <p:txBody>
+          <a:bodyPr lIns="91425" tIns="91425" rIns="91425" bIns="91425" numCol="1" anchor="ctr" anchorCtr="0"/>
+          <a:lstStyle>
+            <a:lvl1pPr marL="0" marR="0" lvl="0" indent="0" algn="l" rtl="0">
+              <a:spcBef>
+                <a:spcPts val="0"/>
+              </a:spcBef>
+              <a:buNone/>
+              <a:defRPr sz="1800" b="0" i="0" u="none" strike="noStrike" cap="none"/>
+            </a:lvl1pPr>
+            <a:lvl2pPr marL="0" marR="0" lvl="1" indent="0" algn="l" rtl="0">
+              <a:spcBef>
+                <a:spcPts val="0"/>
+              </a:spcBef>
+              <a:buNone/>
+              <a:defRPr sz="1800" b="0" i="0" u="none" strike="noStrike" cap="none"/>
+            </a:lvl2pPr>
+            <a:lvl3pPr marL="0" marR="0" lvl="2" indent="0" algn="l" rtl="0">
+              <a:spcBef>
+                <a:spcPts val="0"/>
+              </a:spcBef>
+              <a:buNone/>
+              <a:defRPr sz="1800" b="0" i="0" u="none" strike="noStrike" cap="none"/>
+            </a:lvl3pPr>
+            <a:lvl4pPr marL="0" marR="0" lvl="3" indent="0" algn="l" rtl="0">
+              <a:spcBef>
+                <a:spcPts val="0"/>
+              </a:spcBef>
+              <a:buNone/>
+              <a:defRPr sz="1800" b="0" i="0" u="none" strike="noStrike" cap="none"/>
+            </a:lvl4pPr>
+            <a:lvl5pPr marL="0" marR="0" lvl="4" indent="0" algn="l" rtl="0">
+              <a:spcBef>
+                <a:spcPts val="0"/>
+              </a:spcBef>
+              <a:buNone/>
+              <a:defRPr sz="1800" b="0" i="0" u="none" strike="noStrike" cap="none"/>
+            </a:lvl5pPr>
+            <a:lvl6pPr marL="0" marR="0" lvl="5" indent="0" algn="l" rtl="0">
+              <a:spcBef>
+                <a:spcPts val="0"/>
+              </a:spcBef>
+              <a:buNone/>
+              <a:defRPr sz="1800" b="0" i="0" u="none" strike="noStrike" cap="none"/>
+            </a:lvl6pPr>
+            <a:lvl7pPr marL="0" marR="0" lvl="6" indent="0" algn="l" rtl="0">
+              <a:spcBef>
+                <a:spcPts val="0"/>
+              </a:spcBef>
+              <a:buNone/>
+              <a:defRPr sz="1800" b="0" i="0" u="none" strike="noStrike" cap="none"/>
+            </a:lvl7pPr>
+            <a:lvl8pPr marL="0" marR="0" lvl="7" indent="0" algn="l" rtl="0">
+              <a:spcBef>
+                <a:spcPts val="0"/>
+              </a:spcBef>
+              <a:buNone/>
+              <a:defRPr sz="1800" b="0" i="0" u="none" strike="noStrike" cap="none"/>
+            </a:lvl8pPr>
+            <a:lvl9pPr marL="0" marR="0" lvl="8" indent="0" algn="l" rtl="0">
+              <a:spcBef>
+                <a:spcPts val="0"/>
+              </a:spcBef>
+              <a:buNone/>
+              <a:defRPr sz="1800" b="0" i="0" u="none" strike="noStrike" cap="none"/>
+            </a:lvl9pPr>
+          </a:lstStyle>
+          <a:p>
+            <a:endParaRPr/>
+          </a:p>
+        </p:txBody>
+      </p:sp>
+      <p:sp>
+        <p:nvSpPr>
+          <p:cNvPr id="386" name="Shape 386"/>
+          <p:cNvSpPr txBox="1">
+            <a:spLocks noGrp="1"/>
+          </p:cNvSpPr>
+          <p:nvPr>
+            <p:ph type="subTitle" idx="1"/>
+          </p:nvPr>
+        </p:nvSpPr>
+        <p:spPr>
+          <a:xfrm>
+            <a:off x="1294920" y="1981080"/>
+            <a:ext cx="9600900" cy="3809400"/>
+          </a:xfrm>
+          <a:prstGeom prst="rect">
+            <a:avLst/>
+          </a:prstGeom>
+          <a:noFill/>
+          <a:ln>
+            <a:noFill/>
+          </a:ln>
+        </p:spPr>
+        <p:txBody>
+          <a:bodyPr lIns="91425" tIns="91425" rIns="91425" bIns="91425" numCol="1" anchor="ctr" anchorCtr="0"/>
+          <a:lstStyle>
+            <a:lvl1pPr marL="0" marR="0" lvl="0" indent="0" algn="l" rtl="0">
+              <a:spcBef>
+                <a:spcPts val="0"/>
+              </a:spcBef>
+              <a:buNone/>
+              <a:defRPr sz="1800" b="0" i="0" u="none" strike="noStrike" cap="none"/>
+            </a:lvl1pPr>
+            <a:lvl2pPr marL="457200" marR="0" lvl="1" indent="0" algn="l" rtl="0">
+              <a:spcBef>
+                <a:spcPts val="0"/>
+              </a:spcBef>
+              <a:buNone/>
+              <a:defRPr sz="1800" b="0" i="0" u="none" strike="noStrike" cap="none"/>
+            </a:lvl2pPr>
+            <a:lvl3pPr marL="914400" marR="0" lvl="2" indent="0" algn="l" rtl="0">
+              <a:spcBef>
+                <a:spcPts val="0"/>
+              </a:spcBef>
+              <a:buNone/>
+              <a:defRPr sz="1800" b="0" i="0" u="none" strike="noStrike" cap="none"/>
+            </a:lvl3pPr>
+            <a:lvl4pPr marL="1371600" marR="0" lvl="3" indent="0" algn="l" rtl="0">
+              <a:spcBef>
+                <a:spcPts val="0"/>
+              </a:spcBef>
+              <a:buNone/>
+              <a:defRPr sz="1800" b="0" i="0" u="none" strike="noStrike" cap="none"/>
+            </a:lvl4pPr>
+            <a:lvl5pPr marL="1828800" marR="0" lvl="4" indent="0" algn="l" rtl="0">
+              <a:spcBef>
+                <a:spcPts val="0"/>
+              </a:spcBef>
+              <a:buNone/>
+              <a:defRPr sz="1800" b="0" i="0" u="none" strike="noStrike" cap="none"/>
+            </a:lvl5pPr>
+            <a:lvl6pPr marL="2286000" marR="0" lvl="5" indent="0" algn="l" rtl="0">
+              <a:spcBef>
+                <a:spcPts val="0"/>
+              </a:spcBef>
+              <a:buNone/>
+              <a:defRPr sz="1800" b="0" i="0" u="none" strike="noStrike" cap="none"/>
+            </a:lvl6pPr>
+            <a:lvl7pPr marL="2743200" marR="0" lvl="6" indent="0" algn="l" rtl="0">
+              <a:spcBef>
+                <a:spcPts val="0"/>
+              </a:spcBef>
+              <a:buNone/>
+              <a:defRPr sz="1800" b="0" i="0" u="none" strike="noStrike" cap="none"/>
+            </a:lvl7pPr>
+            <a:lvl8pPr marL="3200400" marR="0" lvl="7" indent="0" algn="l" rtl="0">
+              <a:spcBef>
+                <a:spcPts val="0"/>
+              </a:spcBef>
+              <a:buNone/>
+              <a:defRPr sz="1800" b="0" i="0" u="none" strike="noStrike" cap="none"/>
+            </a:lvl8pPr>
+            <a:lvl9pPr marL="3657600" marR="0" lvl="8" indent="0" algn="l" rtl="0">
+              <a:spcBef>
+                <a:spcPts val="0"/>
+              </a:spcBef>
+              <a:buNone/>
+              <a:defRPr sz="1800" b="0" i="0" u="none" strike="noStrike" cap="none"/>
+            </a:lvl9pPr>
+          </a:lstStyle>
+          <a:p>
+            <a:endParaRPr/>
           </a:p>
         </p:txBody>
       </p:sp>
@@ -15563,16 +14787,15 @@
   </p:cSld>
   <p:clrMap bg1="lt1" tx1="dk1" bg2="dk2" tx2="lt2" accent1="accent1" accent2="accent2" accent3="accent3" accent4="accent4" accent5="accent5" accent6="accent6" hlink="hlink" folHlink="folHlink"/>
   <p:sldLayoutIdLst>
-    <p:sldLayoutId id="2147483649" r:id="rId1"/>
-    <p:sldLayoutId id="2147483650" r:id="rId2"/>
-    <p:sldLayoutId id="2147483651" r:id="rId3"/>
-    <p:sldLayoutId id="2147483653" r:id="rId4"/>
-    <p:sldLayoutId id="2147483654" r:id="rId5"/>
-    <p:sldLayoutId id="2147483655" r:id="rId6"/>
-    <p:sldLayoutId id="2147483656" r:id="rId7"/>
-    <p:sldLayoutId id="2147483657" r:id="rId8"/>
-    <p:sldLayoutId id="2147483658" r:id="rId9"/>
-    <p:sldLayoutId id="2147483659" r:id="rId10"/>
+    <p:sldLayoutId id="2147483650" r:id="rId1"/>
+    <p:sldLayoutId id="2147483651" r:id="rId2"/>
+    <p:sldLayoutId id="2147483653" r:id="rId3"/>
+    <p:sldLayoutId id="2147483654" r:id="rId4"/>
+    <p:sldLayoutId id="2147483655" r:id="rId5"/>
+    <p:sldLayoutId id="2147483656" r:id="rId6"/>
+    <p:sldLayoutId id="2147483657" r:id="rId7"/>
+    <p:sldLayoutId id="2147483658" r:id="rId8"/>
+    <p:sldLayoutId id="2147483659" r:id="rId9"/>
   </p:sldLayoutIdLst>
   <p:hf sldNum="0" hdr="0" ftr="0" dt="0"/>
   <p:txStyles>
@@ -16023,175 +15246,6 @@
   <p:cSld>
     <p:spTree>
       <p:nvGrpSpPr>
-        <p:cNvPr id="1" name=""/>
-        <p:cNvGrpSpPr/>
-        <p:nvPr/>
-      </p:nvGrpSpPr>
-      <p:grpSpPr>
-        <a:xfrm>
-          <a:off x="0" y="0"/>
-          <a:ext cx="0" cy="0"/>
-          <a:chOff x="0" y="0"/>
-          <a:chExt cx="0" cy="0"/>
-        </a:xfrm>
-      </p:grpSpPr>
-      <p:sp>
-        <p:nvSpPr>
-          <p:cNvPr id="2" name="Title 1"/>
-          <p:cNvSpPr>
-            <a:spLocks noGrp="1"/>
-          </p:cNvSpPr>
-          <p:nvPr>
-            <p:ph type="title"/>
-          </p:nvPr>
-        </p:nvSpPr>
-        <p:spPr/>
-        <p:txBody>
-          <a:bodyPr/>
-          <a:lstStyle/>
-          <a:p>
-            <a:r>
-              <a:rPr lang="en-GB" dirty="0" smtClean="0"/>
-              <a:t>Ivar please add this pic</a:t>
-            </a:r>
-            <a:endParaRPr lang="en-GB" dirty="0"/>
-          </a:p>
-        </p:txBody>
-      </p:sp>
-      <p:pic>
-        <p:nvPicPr>
-          <p:cNvPr id="4" name="Picture 3"/>
-          <p:cNvPicPr>
-            <a:picLocks noChangeAspect="1"/>
-          </p:cNvPicPr>
-          <p:nvPr/>
-        </p:nvPicPr>
-        <p:blipFill>
-          <a:blip r:embed="rId2">
-            <a:extLst>
-              <a:ext uri="{28A0092B-C50C-407E-A947-70E740481C1C}">
-                <a14:useLocalDpi xmlns:a14="http://schemas.microsoft.com/office/drawing/2010/main" val="0"/>
-              </a:ext>
-            </a:extLst>
-          </a:blip>
-          <a:stretch>
-            <a:fillRect/>
-          </a:stretch>
-        </p:blipFill>
-        <p:spPr>
-          <a:xfrm>
-            <a:off x="6254133" y="2624550"/>
-            <a:ext cx="1564914" cy="1795381"/>
-          </a:xfrm>
-          <a:prstGeom prst="rect">
-            <a:avLst/>
-          </a:prstGeom>
-        </p:spPr>
-      </p:pic>
-    </p:spTree>
-    <p:extLst>
-      <p:ext uri="{BB962C8B-B14F-4D97-AF65-F5344CB8AC3E}">
-        <p14:creationId xmlns:p14="http://schemas.microsoft.com/office/powerpoint/2010/main" val="2792545845"/>
-      </p:ext>
-    </p:extLst>
-  </p:cSld>
-  <p:clrMapOvr>
-    <a:masterClrMapping/>
-  </p:clrMapOvr>
-  <p:timing>
-    <p:tnLst>
-      <p:par>
-        <p:cTn id="1" dur="indefinite" restart="never" nodeType="tmRoot">
-          <p:childTnLst>
-            <p:seq concurrent="1" nextAc="seek">
-              <p:cTn id="2" dur="indefinite" nodeType="mainSeq">
-                <p:childTnLst>
-                  <p:par>
-                    <p:cTn id="3" fill="hold">
-                      <p:stCondLst>
-                        <p:cond delay="indefinite"/>
-                        <p:cond evt="onBegin" delay="0">
-                          <p:tn val="2"/>
-                        </p:cond>
-                      </p:stCondLst>
-                      <p:childTnLst>
-                        <p:par>
-                          <p:cTn id="4" fill="hold">
-                            <p:stCondLst>
-                              <p:cond delay="0"/>
-                            </p:stCondLst>
-                            <p:childTnLst>
-                              <p:par>
-                                <p:cTn id="5" presetID="10" presetClass="entr" presetSubtype="0" fill="hold" nodeType="afterEffect">
-                                  <p:stCondLst>
-                                    <p:cond delay="0"/>
-                                  </p:stCondLst>
-                                  <p:childTnLst>
-                                    <p:set>
-                                      <p:cBhvr>
-                                        <p:cTn id="6" dur="1" fill="hold">
-                                          <p:stCondLst>
-                                            <p:cond delay="0"/>
-                                          </p:stCondLst>
-                                        </p:cTn>
-                                        <p:tgtEl>
-                                          <p:spTgt spid="4"/>
-                                        </p:tgtEl>
-                                        <p:attrNameLst>
-                                          <p:attrName>style.visibility</p:attrName>
-                                        </p:attrNameLst>
-                                      </p:cBhvr>
-                                      <p:to>
-                                        <p:strVal val="visible"/>
-                                      </p:to>
-                                    </p:set>
-                                    <p:animEffect transition="in" filter="fade">
-                                      <p:cBhvr>
-                                        <p:cTn id="7" dur="500"/>
-                                        <p:tgtEl>
-                                          <p:spTgt spid="4"/>
-                                        </p:tgtEl>
-                                      </p:cBhvr>
-                                    </p:animEffect>
-                                  </p:childTnLst>
-                                </p:cTn>
-                              </p:par>
-                            </p:childTnLst>
-                          </p:cTn>
-                        </p:par>
-                      </p:childTnLst>
-                    </p:cTn>
-                  </p:par>
-                </p:childTnLst>
-              </p:cTn>
-              <p:prevCondLst>
-                <p:cond evt="onPrev" delay="0">
-                  <p:tgtEl>
-                    <p:sldTgt/>
-                  </p:tgtEl>
-                </p:cond>
-              </p:prevCondLst>
-              <p:nextCondLst>
-                <p:cond evt="onNext" delay="0">
-                  <p:tgtEl>
-                    <p:sldTgt/>
-                  </p:tgtEl>
-                </p:cond>
-              </p:nextCondLst>
-            </p:seq>
-          </p:childTnLst>
-        </p:cTn>
-      </p:par>
-    </p:tnLst>
-  </p:timing>
-</p:sld>
-</file>
-
-<file path=ppt/slides/slide2.xml><?xml version="1.0" encoding="utf-8"?>
-<p:sld xmlns:a="http://schemas.openxmlformats.org/drawingml/2006/main" xmlns:r="http://schemas.openxmlformats.org/officeDocument/2006/relationships" xmlns:p="http://schemas.openxmlformats.org/presentationml/2006/main">
-  <p:cSld>
-    <p:spTree>
-      <p:nvGrpSpPr>
         <p:cNvPr id="1" name="Shape 409"/>
         <p:cNvGrpSpPr/>
         <p:nvPr/>
@@ -16742,7 +15796,7 @@
 </p:sld>
 </file>
 
-<file path=ppt/slides/slide3.xml><?xml version="1.0" encoding="utf-8"?>
+<file path=ppt/slides/slide2.xml><?xml version="1.0" encoding="utf-8"?>
 <p:sld xmlns:a="http://schemas.openxmlformats.org/drawingml/2006/main" xmlns:r="http://schemas.openxmlformats.org/officeDocument/2006/relationships" xmlns:p="http://schemas.openxmlformats.org/presentationml/2006/main">
   <p:cSld>
     <p:spTree>
@@ -16869,15 +15923,7 @@
                   <a:srgbClr val="2D2E2D"/>
                 </a:solidFill>
               </a:rPr>
-              <a:t>Multi Database </a:t>
-            </a:r>
-            <a:r>
-              <a:rPr lang="en-US" sz="3600" dirty="0" smtClean="0">
-                <a:solidFill>
-                  <a:srgbClr val="2D2E2D"/>
-                </a:solidFill>
-              </a:rPr>
-              <a:t>support </a:t>
+              <a:t>Multi Database support </a:t>
             </a:r>
             <a:r>
               <a:rPr lang="en-US" sz="1600" dirty="0" smtClean="0">
@@ -16923,11 +15969,6 @@
               </a:rPr>
               <a:t>)</a:t>
             </a:r>
-            <a:endParaRPr lang="en-US" sz="1600" dirty="0" smtClean="0">
-              <a:solidFill>
-                <a:srgbClr val="2D2E2D"/>
-              </a:solidFill>
-            </a:endParaRPr>
           </a:p>
           <a:p>
             <a:pPr marL="228600" lvl="0" indent="-330200">
@@ -17284,7 +16325,7 @@
 </p:sld>
 </file>
 
-<file path=ppt/slides/slide4.xml><?xml version="1.0" encoding="utf-8"?>
+<file path=ppt/slides/slide3.xml><?xml version="1.0" encoding="utf-8"?>
 <p:sld xmlns:a="http://schemas.openxmlformats.org/drawingml/2006/main" xmlns:r="http://schemas.openxmlformats.org/officeDocument/2006/relationships" xmlns:p="http://schemas.openxmlformats.org/presentationml/2006/main">
   <p:cSld>
     <p:spTree>
@@ -17728,11 +16769,7 @@
             </a:pPr>
             <a:r>
               <a:rPr lang="en-US" dirty="0" smtClean="0"/>
-              <a:t>Technology </a:t>
-            </a:r>
-            <a:r>
-              <a:rPr lang="en-US" dirty="0" smtClean="0"/>
-              <a:t>Stack</a:t>
+              <a:t>Technology Stack</a:t>
             </a:r>
             <a:endParaRPr lang="en-US" dirty="0"/>
           </a:p>
@@ -17996,7 +17033,7 @@
 </p:sld>
 </file>
 
-<file path=ppt/slides/slide5.xml><?xml version="1.0" encoding="utf-8"?>
+<file path=ppt/slides/slide4.xml><?xml version="1.0" encoding="utf-8"?>
 <p:sld xmlns:a="http://schemas.openxmlformats.org/drawingml/2006/main" xmlns:r="http://schemas.openxmlformats.org/officeDocument/2006/relationships" xmlns:p="http://schemas.openxmlformats.org/presentationml/2006/main">
   <p:cSld>
     <p:spTree>

--- a/resource/presentation/JavaOne SFO - 2016/JPAModeler JavaOne SFO - 2016 - CONF.pptx
+++ b/resource/presentation/JavaOne SFO - 2016/JPAModeler JavaOne SFO - 2016 - CONF.pptx
@@ -313,7 +313,7 @@
           <a:p>
             <a:fld id="{9B2569C3-B665-4FC2-A1C0-937A4220DCD2}" type="datetimeFigureOut">
               <a:rPr lang="en-GB" smtClean="0"/>
-              <a:t>08/09/2016</a:t>
+              <a:t>13/09/2016</a:t>
             </a:fld>
             <a:endParaRPr lang="en-GB"/>
           </a:p>
@@ -16344,9 +16344,9 @@
       </p:grpSpPr>
       <p:pic>
         <p:nvPicPr>
-          <p:cNvPr id="1038" name="Picture 14" descr="https://cwiki.apache.org/confluence/download/attachments/27832442/DeltaSpike?version=5&amp;modificationDate=1437755904000&amp;api=v2"/>
+          <p:cNvPr id="11" name="Picture 10"/>
           <p:cNvPicPr>
-            <a:picLocks noChangeAspect="1" noChangeArrowheads="1"/>
+            <a:picLocks noChangeAspect="1"/>
           </p:cNvPicPr>
           <p:nvPr/>
         </p:nvPicPr>
@@ -16358,29 +16358,18 @@
               </a:ext>
             </a:extLst>
           </a:blip>
-          <a:srcRect/>
           <a:stretch>
             <a:fillRect/>
           </a:stretch>
         </p:blipFill>
-        <p:spPr bwMode="auto">
+        <p:spPr>
           <a:xfrm>
-            <a:off x="5857281" y="3545513"/>
-            <a:ext cx="1954991" cy="1231913"/>
+            <a:off x="6516044" y="3746200"/>
+            <a:ext cx="993215" cy="933020"/>
           </a:xfrm>
           <a:prstGeom prst="rect">
             <a:avLst/>
           </a:prstGeom>
-          <a:noFill/>
-          <a:extLst>
-            <a:ext uri="{909E8E84-426E-40DD-AFC4-6F175D3DCCD1}">
-              <a14:hiddenFill xmlns:a14="http://schemas.microsoft.com/office/drawing/2010/main">
-                <a:solidFill>
-                  <a:srgbClr val="FFFFFF"/>
-                </a:solidFill>
-              </a14:hiddenFill>
-            </a:ext>
-          </a:extLst>
         </p:spPr>
       </p:pic>
       <p:sp>

--- a/resource/presentation/JavaOne SFO - 2016/JPAModeler JavaOne SFO - 2016 - CONF.pptx
+++ b/resource/presentation/JavaOne SFO - 2016/JPAModeler JavaOne SFO - 2016 - CONF.pptx
@@ -313,7 +313,7 @@
           <a:p>
             <a:fld id="{9B2569C3-B665-4FC2-A1C0-937A4220DCD2}" type="datetimeFigureOut">
               <a:rPr lang="en-GB" smtClean="0"/>
-              <a:t>13/09/2016</a:t>
+              <a:t>18/09/2016</a:t>
             </a:fld>
             <a:endParaRPr lang="en-GB"/>
           </a:p>
@@ -2223,13 +2223,6 @@
   <p:clrMapOvr>
     <a:masterClrMapping/>
   </p:clrMapOvr>
-  <p:timing>
-    <p:tnLst>
-      <p:par>
-        <p:cTn id="1" dur="indefinite" restart="never" nodeType="tmRoot"/>
-      </p:par>
-    </p:tnLst>
-  </p:timing>
 </p:sldLayout>
 </file>
 
@@ -4006,13 +3999,6 @@
   <p:clrMapOvr>
     <a:masterClrMapping/>
   </p:clrMapOvr>
-  <p:timing>
-    <p:tnLst>
-      <p:par>
-        <p:cTn id="1" dur="indefinite" restart="never" nodeType="tmRoot"/>
-      </p:par>
-    </p:tnLst>
-  </p:timing>
 </p:sldLayout>
 </file>
 
@@ -4542,13 +4528,6 @@
   <p:clrMapOvr>
     <a:masterClrMapping/>
   </p:clrMapOvr>
-  <p:timing>
-    <p:tnLst>
-      <p:par>
-        <p:cTn id="1" dur="indefinite" restart="never" nodeType="tmRoot"/>
-      </p:par>
-    </p:tnLst>
-  </p:timing>
 </p:sldLayout>
 </file>
 
@@ -6331,13 +6310,6 @@
   <p:clrMapOvr>
     <a:masterClrMapping/>
   </p:clrMapOvr>
-  <p:timing>
-    <p:tnLst>
-      <p:par>
-        <p:cTn id="1" dur="indefinite" restart="never" nodeType="tmRoot"/>
-      </p:par>
-    </p:tnLst>
-  </p:timing>
 </p:sldLayout>
 </file>
 
@@ -8803,13 +8775,6 @@
   <p:clrMapOvr>
     <a:masterClrMapping/>
   </p:clrMapOvr>
-  <p:timing>
-    <p:tnLst>
-      <p:par>
-        <p:cTn id="1" dur="indefinite" restart="never" nodeType="tmRoot"/>
-      </p:par>
-    </p:tnLst>
-  </p:timing>
 </p:sldLayout>
 </file>
 
@@ -10845,13 +10810,6 @@
   <p:clrMapOvr>
     <a:masterClrMapping/>
   </p:clrMapOvr>
-  <p:timing>
-    <p:tnLst>
-      <p:par>
-        <p:cTn id="1" dur="indefinite" restart="never" nodeType="tmRoot"/>
-      </p:par>
-    </p:tnLst>
-  </p:timing>
 </p:sldLayout>
 </file>
 
@@ -11620,13 +11578,6 @@
   <p:clrMapOvr>
     <a:masterClrMapping/>
   </p:clrMapOvr>
-  <p:timing>
-    <p:tnLst>
-      <p:par>
-        <p:cTn id="1" dur="indefinite" restart="never" nodeType="tmRoot"/>
-      </p:par>
-    </p:tnLst>
-  </p:timing>
 </p:sldLayout>
 </file>
 
@@ -15290,10 +15241,9 @@
               <a:buNone/>
             </a:pPr>
             <a:r>
-              <a:rPr lang="en-US" dirty="0" smtClean="0"/>
+              <a:rPr lang="en-US" dirty="0"/>
               <a:t>JPA Modeler</a:t>
             </a:r>
-            <a:endParaRPr lang="en-US" dirty="0"/>
           </a:p>
         </p:txBody>
       </p:sp>
@@ -15340,7 +15290,7 @@
               <a:buChar char="▪"/>
             </a:pPr>
             <a:r>
-              <a:rPr lang="en-US" sz="3600" dirty="0" smtClean="0">
+              <a:rPr lang="en-US" sz="3600" dirty="0">
                 <a:solidFill>
                   <a:srgbClr val="2D2E2D"/>
                 </a:solidFill>
@@ -15367,7 +15317,7 @@
               <a:buChar char="▪"/>
             </a:pPr>
             <a:r>
-              <a:rPr lang="en-US" sz="3600" dirty="0" smtClean="0">
+              <a:rPr lang="en-US" sz="3600" dirty="0">
                 <a:solidFill>
                   <a:srgbClr val="2D2E2D"/>
                 </a:solidFill>
@@ -15394,18 +15344,13 @@
               <a:buChar char="▪"/>
             </a:pPr>
             <a:r>
-              <a:rPr lang="en-US" sz="3600" dirty="0" smtClean="0">
+              <a:rPr lang="en-US" sz="3600" dirty="0">
                 <a:solidFill>
                   <a:srgbClr val="2D2E2D"/>
                 </a:solidFill>
               </a:rPr>
               <a:t>Wires the technology together</a:t>
             </a:r>
-            <a:endParaRPr lang="en-US" sz="3600" dirty="0">
-              <a:solidFill>
-                <a:srgbClr val="2D2E2D"/>
-              </a:solidFill>
-            </a:endParaRPr>
           </a:p>
         </p:txBody>
       </p:sp>
@@ -15439,6 +15384,80 @@
           </a:prstGeom>
         </p:spPr>
       </p:pic>
+      <p:sp>
+        <p:nvSpPr>
+          <p:cNvPr id="6" name="Shape 402"/>
+          <p:cNvSpPr txBox="1"/>
+          <p:nvPr/>
+        </p:nvSpPr>
+        <p:spPr>
+          <a:xfrm>
+            <a:off x="1975074" y="5349239"/>
+            <a:ext cx="5142701" cy="452439"/>
+          </a:xfrm>
+          <a:prstGeom prst="rect">
+            <a:avLst/>
+          </a:prstGeom>
+          <a:noFill/>
+          <a:ln>
+            <a:noFill/>
+          </a:ln>
+        </p:spPr>
+        <p:txBody>
+          <a:bodyPr lIns="91425" tIns="91425" rIns="91425" bIns="91425" numCol="1" anchor="ctr" anchorCtr="0">
+            <a:noAutofit/>
+          </a:bodyPr>
+          <a:lstStyle/>
+          <a:p>
+            <a:r>
+              <a:rPr lang="en-US" sz="3200" dirty="0"/>
+              <a:t>www.jpamodeler.github.io</a:t>
+            </a:r>
+            <a:endParaRPr sz="3200" b="1" dirty="0"/>
+          </a:p>
+        </p:txBody>
+      </p:sp>
+      <p:sp>
+        <p:nvSpPr>
+          <p:cNvPr id="7" name="Shape 402"/>
+          <p:cNvSpPr txBox="1"/>
+          <p:nvPr/>
+        </p:nvSpPr>
+        <p:spPr>
+          <a:xfrm>
+            <a:off x="1975073" y="4832660"/>
+            <a:ext cx="5142701" cy="452439"/>
+          </a:xfrm>
+          <a:prstGeom prst="rect">
+            <a:avLst/>
+          </a:prstGeom>
+          <a:noFill/>
+          <a:ln>
+            <a:noFill/>
+          </a:ln>
+        </p:spPr>
+        <p:txBody>
+          <a:bodyPr lIns="91425" tIns="91425" rIns="91425" bIns="91425" numCol="1" anchor="ctr" anchorCtr="0">
+            <a:noAutofit/>
+          </a:bodyPr>
+          <a:lstStyle/>
+          <a:p>
+            <a:r>
+              <a:rPr lang="en-US" sz="3200" dirty="0"/>
+              <a:t>Twitter: </a:t>
+            </a:r>
+            <a:r>
+              <a:rPr sz="3200" b="1" dirty="0"/>
+              <a:t>@</a:t>
+            </a:r>
+            <a:r>
+              <a:rPr lang="en-US" sz="3200" b="1" dirty="0" err="1"/>
+              <a:t>JPAModeler</a:t>
+            </a:r>
+            <a:endParaRPr sz="3200" b="1" dirty="0"/>
+          </a:p>
+        </p:txBody>
+      </p:sp>
     </p:spTree>
     <p:extLst>
       <p:ext uri="{BB962C8B-B14F-4D97-AF65-F5344CB8AC3E}">
@@ -15768,6 +15787,112 @@
                       </p:childTnLst>
                     </p:cTn>
                   </p:par>
+                  <p:par>
+                    <p:cTn id="26" fill="hold">
+                      <p:stCondLst>
+                        <p:cond delay="indefinite"/>
+                      </p:stCondLst>
+                      <p:childTnLst>
+                        <p:par>
+                          <p:cTn id="27" fill="hold">
+                            <p:stCondLst>
+                              <p:cond delay="0"/>
+                            </p:stCondLst>
+                            <p:childTnLst>
+                              <p:par>
+                                <p:cTn id="28" presetID="10" presetClass="entr" presetSubtype="0" fill="hold" grpId="0" nodeType="clickEffect">
+                                  <p:stCondLst>
+                                    <p:cond delay="0"/>
+                                  </p:stCondLst>
+                                  <p:childTnLst>
+                                    <p:set>
+                                      <p:cBhvr>
+                                        <p:cTn id="29" dur="1" fill="hold">
+                                          <p:stCondLst>
+                                            <p:cond delay="0"/>
+                                          </p:stCondLst>
+                                        </p:cTn>
+                                        <p:tgtEl>
+                                          <p:spTgt spid="6"/>
+                                        </p:tgtEl>
+                                        <p:attrNameLst>
+                                          <p:attrName>style.visibility</p:attrName>
+                                        </p:attrNameLst>
+                                      </p:cBhvr>
+                                      <p:to>
+                                        <p:strVal val="visible"/>
+                                      </p:to>
+                                    </p:set>
+                                    <p:animEffect transition="in" filter="fade">
+                                      <p:cBhvr>
+                                        <p:cTn id="30" dur="500"/>
+                                        <p:tgtEl>
+                                          <p:spTgt spid="6"/>
+                                        </p:tgtEl>
+                                      </p:cBhvr>
+                                    </p:animEffect>
+                                  </p:childTnLst>
+                                </p:cTn>
+                              </p:par>
+                            </p:childTnLst>
+                          </p:cTn>
+                        </p:par>
+                      </p:childTnLst>
+                    </p:cTn>
+                  </p:par>
+                  <p:par>
+                    <p:cTn id="31" fill="hold">
+                      <p:stCondLst>
+                        <p:cond delay="indefinite"/>
+                      </p:stCondLst>
+                      <p:childTnLst>
+                        <p:par>
+                          <p:cTn id="32" fill="hold">
+                            <p:stCondLst>
+                              <p:cond delay="0"/>
+                            </p:stCondLst>
+                            <p:childTnLst>
+                              <p:par>
+                                <p:cTn id="33" presetID="10" presetClass="entr" presetSubtype="0" fill="hold" grpId="0" nodeType="clickEffect">
+                                  <p:stCondLst>
+                                    <p:cond delay="0"/>
+                                  </p:stCondLst>
+                                  <p:childTnLst>
+                                    <p:set>
+                                      <p:cBhvr>
+                                        <p:cTn id="34" dur="1" fill="hold">
+                                          <p:stCondLst>
+                                            <p:cond delay="0"/>
+                                          </p:stCondLst>
+                                        </p:cTn>
+                                        <p:tgtEl>
+                                          <p:spTgt spid="7"/>
+                                        </p:tgtEl>
+                                        <p:attrNameLst>
+                                          <p:attrName>style.visibility</p:attrName>
+                                        </p:attrNameLst>
+                                      </p:cBhvr>
+                                      <p:to>
+                                        <p:strVal val="visible"/>
+                                      </p:to>
+                                    </p:set>
+                                    <p:animEffect transition="in" filter="fade">
+                                      <p:cBhvr>
+                                        <p:cTn id="35" dur="500"/>
+                                        <p:tgtEl>
+                                          <p:spTgt spid="7"/>
+                                        </p:tgtEl>
+                                      </p:cBhvr>
+                                    </p:animEffect>
+                                  </p:childTnLst>
+                                </p:cTn>
+                              </p:par>
+                            </p:childTnLst>
+                          </p:cTn>
+                        </p:par>
+                      </p:childTnLst>
+                    </p:cTn>
+                  </p:par>
                 </p:childTnLst>
               </p:cTn>
               <p:prevCondLst>
@@ -15791,6 +15916,8 @@
     </p:tnLst>
     <p:bldLst>
       <p:bldP spid="411" grpId="0" build="p"/>
+      <p:bldP spid="6" grpId="0"/>
+      <p:bldP spid="7" grpId="0"/>
     </p:bldLst>
   </p:timing>
 </p:sld>
@@ -15845,10 +15972,9 @@
               <a:buNone/>
             </a:pPr>
             <a:r>
-              <a:rPr lang="en-US" dirty="0" smtClean="0"/>
+              <a:rPr lang="en-US" dirty="0"/>
               <a:t>DB Modeler</a:t>
             </a:r>
-            <a:endParaRPr lang="en-US" dirty="0"/>
           </a:p>
         </p:txBody>
       </p:sp>
@@ -15894,15 +16020,7 @@
                   <a:srgbClr val="2D2E2D"/>
                 </a:solidFill>
               </a:rPr>
-              <a:t>Design schema </a:t>
-            </a:r>
-            <a:r>
-              <a:rPr lang="en-US" sz="3600" dirty="0" smtClean="0">
-                <a:solidFill>
-                  <a:srgbClr val="2D2E2D"/>
-                </a:solidFill>
-              </a:rPr>
-              <a:t>transparently</a:t>
+              <a:t>Design schema transparently</a:t>
             </a:r>
           </a:p>
           <a:p>
@@ -15918,7 +16036,7 @@
               <a:buChar char="▪"/>
             </a:pPr>
             <a:r>
-              <a:rPr lang="en-US" sz="3600" dirty="0" smtClean="0">
+              <a:rPr lang="en-US" sz="3600" dirty="0">
                 <a:solidFill>
                   <a:srgbClr val="2D2E2D"/>
                 </a:solidFill>
@@ -15926,7 +16044,7 @@
               <a:t>Multi Database support </a:t>
             </a:r>
             <a:r>
-              <a:rPr lang="en-US" sz="1600" dirty="0" smtClean="0">
+              <a:rPr lang="en-US" sz="1600" dirty="0">
                 <a:solidFill>
                   <a:srgbClr val="2D2E2D"/>
                 </a:solidFill>
@@ -15934,7 +16052,7 @@
               <a:t>(</a:t>
             </a:r>
             <a:r>
-              <a:rPr lang="en-US" sz="1600" dirty="0" err="1" smtClean="0">
+              <a:rPr lang="en-US" sz="1600" dirty="0" err="1">
                 <a:solidFill>
                   <a:srgbClr val="2D2E2D"/>
                 </a:solidFill>
@@ -15942,7 +16060,7 @@
               <a:t>e.g</a:t>
             </a:r>
             <a:r>
-              <a:rPr lang="en-US" sz="1600" dirty="0" smtClean="0">
+              <a:rPr lang="en-US" sz="1600" dirty="0">
                 <a:solidFill>
                   <a:srgbClr val="2D2E2D"/>
                 </a:solidFill>
@@ -15950,19 +16068,19 @@
               <a:t> PostgreSQL, </a:t>
             </a:r>
             <a:r>
-              <a:rPr lang="en-IN" sz="1600" dirty="0" smtClean="0"/>
+              <a:rPr lang="en-IN" sz="1600" dirty="0"/>
               <a:t>MySQL</a:t>
             </a:r>
             <a:r>
-              <a:rPr lang="en-GB" sz="1600" dirty="0" smtClean="0"/>
+              <a:rPr lang="en-GB" sz="1600" dirty="0"/>
               <a:t>, Oracle </a:t>
             </a:r>
             <a:r>
-              <a:rPr lang="en-GB" sz="1600" dirty="0" err="1" smtClean="0"/>
+              <a:rPr lang="en-GB" sz="1600" dirty="0" err="1"/>
               <a:t>etc</a:t>
             </a:r>
             <a:r>
-              <a:rPr lang="en-US" sz="1600" dirty="0" smtClean="0">
+              <a:rPr lang="en-US" sz="1600" dirty="0">
                 <a:solidFill>
                   <a:srgbClr val="2D2E2D"/>
                 </a:solidFill>
@@ -15983,7 +16101,7 @@
               <a:buChar char="▪"/>
             </a:pPr>
             <a:r>
-              <a:rPr lang="en-US" sz="3600" dirty="0" smtClean="0">
+              <a:rPr lang="en-US" sz="3600" dirty="0">
                 <a:solidFill>
                   <a:srgbClr val="2D2E2D"/>
                 </a:solidFill>
@@ -16004,7 +16122,7 @@
               <a:buChar char="▪"/>
             </a:pPr>
             <a:r>
-              <a:rPr lang="en-US" sz="3600" dirty="0" smtClean="0">
+              <a:rPr lang="en-US" sz="3600" dirty="0">
                 <a:solidFill>
                   <a:srgbClr val="2D2E2D"/>
                 </a:solidFill>
@@ -16413,45 +16531,8 @@
                   <a:schemeClr val="dk1"/>
                 </a:solidFill>
               </a:rPr>
-              <a:t>MVC </a:t>
+              <a:t>MVC 1.0 (JSR - 371)</a:t>
             </a:r>
-            <a:r>
-              <a:rPr lang="en-US" sz="1600" dirty="0" smtClean="0">
-                <a:solidFill>
-                  <a:schemeClr val="dk1"/>
-                </a:solidFill>
-              </a:rPr>
-              <a:t>1.0 (JSR - 371)</a:t>
-            </a:r>
-            <a:endParaRPr lang="en-US" sz="1600" dirty="0">
-              <a:solidFill>
-                <a:schemeClr val="dk1"/>
-              </a:solidFill>
-            </a:endParaRPr>
-          </a:p>
-          <a:p>
-            <a:pPr marL="228600" lvl="0" indent="-279400">
-              <a:spcAft>
-                <a:spcPts val="1000"/>
-              </a:spcAft>
-              <a:buClr>
-                <a:schemeClr val="accent1"/>
-              </a:buClr>
-              <a:buChar char="▪"/>
-            </a:pPr>
-            <a:r>
-              <a:rPr lang="en-US" sz="1600" dirty="0" smtClean="0">
-                <a:solidFill>
-                  <a:schemeClr val="dk1"/>
-                </a:solidFill>
-              </a:rPr>
-              <a:t>JAX-RS (REST)</a:t>
-            </a:r>
-            <a:endParaRPr lang="en-US" sz="1600" dirty="0">
-              <a:solidFill>
-                <a:schemeClr val="dk1"/>
-              </a:solidFill>
-            </a:endParaRPr>
           </a:p>
           <a:p>
             <a:pPr marL="228600" lvl="0" indent="-279400">
@@ -16469,21 +16550,8 @@
                   <a:schemeClr val="dk1"/>
                 </a:solidFill>
               </a:rPr>
-              <a:t>Security </a:t>
+              <a:t>JAX-RS (REST)</a:t>
             </a:r>
-            <a:r>
-              <a:rPr lang="en-US" sz="1600" dirty="0" smtClean="0">
-                <a:solidFill>
-                  <a:schemeClr val="dk1"/>
-                </a:solidFill>
-              </a:rPr>
-              <a:t>API (JSR - 375)</a:t>
-            </a:r>
-            <a:endParaRPr lang="en-US" sz="1600" dirty="0">
-              <a:solidFill>
-                <a:schemeClr val="dk1"/>
-              </a:solidFill>
-            </a:endParaRPr>
           </a:p>
           <a:p>
             <a:pPr marL="228600" lvl="0" indent="-279400">
@@ -16496,7 +16564,26 @@
               <a:buChar char="▪"/>
             </a:pPr>
             <a:r>
-              <a:rPr lang="en-US" sz="1600" dirty="0" smtClean="0">
+              <a:rPr lang="en-US" sz="1600" dirty="0">
+                <a:solidFill>
+                  <a:schemeClr val="dk1"/>
+                </a:solidFill>
+              </a:rPr>
+              <a:t>Security API (JSR - 375)</a:t>
+            </a:r>
+          </a:p>
+          <a:p>
+            <a:pPr marL="228600" lvl="0" indent="-279400">
+              <a:spcAft>
+                <a:spcPts val="1000"/>
+              </a:spcAft>
+              <a:buClr>
+                <a:schemeClr val="accent1"/>
+              </a:buClr>
+              <a:buChar char="▪"/>
+            </a:pPr>
+            <a:r>
+              <a:rPr lang="en-US" sz="1600" dirty="0">
                 <a:solidFill>
                   <a:schemeClr val="dk1"/>
                 </a:solidFill>
@@ -16534,7 +16621,7 @@
               <a:buChar char="▪"/>
             </a:pPr>
             <a:r>
-              <a:rPr lang="en-US" sz="1600" dirty="0" smtClean="0">
+              <a:rPr lang="en-US" sz="1600" dirty="0">
                 <a:solidFill>
                   <a:schemeClr val="dk1"/>
                 </a:solidFill>
@@ -16591,7 +16678,7 @@
               <a:buChar char="▪"/>
             </a:pPr>
             <a:r>
-              <a:rPr lang="en-US" sz="1600" dirty="0" smtClean="0">
+              <a:rPr lang="en-US" sz="1600" dirty="0">
                 <a:solidFill>
                   <a:schemeClr val="dk1"/>
                 </a:solidFill>
@@ -16610,7 +16697,7 @@
               <a:buChar char="▪"/>
             </a:pPr>
             <a:r>
-              <a:rPr lang="en-US" sz="1600" dirty="0" smtClean="0">
+              <a:rPr lang="en-US" sz="1600" dirty="0">
                 <a:solidFill>
                   <a:schemeClr val="dk1"/>
                 </a:solidFill>
@@ -16629,28 +16716,12 @@
               <a:buChar char="▪"/>
             </a:pPr>
             <a:r>
-              <a:rPr lang="en-US" sz="1600" dirty="0" smtClean="0">
+              <a:rPr lang="en-US" sz="1600" dirty="0">
                 <a:solidFill>
                   <a:schemeClr val="dk1"/>
                 </a:solidFill>
               </a:rPr>
-              <a:t>Responsive </a:t>
-            </a:r>
-            <a:r>
-              <a:rPr lang="en-US" sz="1600" dirty="0">
-                <a:solidFill>
-                  <a:schemeClr val="dk1"/>
-                </a:solidFill>
-              </a:rPr>
-              <a:t>Web </a:t>
-            </a:r>
-            <a:r>
-              <a:rPr lang="en-US" sz="1600" dirty="0" smtClean="0">
-                <a:solidFill>
-                  <a:schemeClr val="dk1"/>
-                </a:solidFill>
-              </a:rPr>
-              <a:t>Design</a:t>
+              <a:t>Responsive Web Design</a:t>
             </a:r>
           </a:p>
           <a:p>
@@ -16664,7 +16735,7 @@
               <a:buChar char="▪"/>
             </a:pPr>
             <a:r>
-              <a:rPr lang="en-US" sz="1600" dirty="0" smtClean="0">
+              <a:rPr lang="en-US" sz="1600" dirty="0">
                 <a:solidFill>
                   <a:schemeClr val="dk1"/>
                 </a:solidFill>
@@ -16683,7 +16754,7 @@
               <a:buChar char="▪"/>
             </a:pPr>
             <a:r>
-              <a:rPr lang="en-US" sz="1600" dirty="0" smtClean="0">
+              <a:rPr lang="en-US" sz="1600" dirty="0">
                 <a:solidFill>
                   <a:schemeClr val="dk1"/>
                 </a:solidFill>
@@ -16757,10 +16828,9 @@
               <a:buNone/>
             </a:pPr>
             <a:r>
-              <a:rPr lang="en-US" dirty="0" smtClean="0"/>
+              <a:rPr lang="en-US" dirty="0"/>
               <a:t>Technology Stack</a:t>
             </a:r>
-            <a:endParaRPr lang="en-US" dirty="0"/>
           </a:p>
         </p:txBody>
       </p:sp>
@@ -17012,13 +17082,6 @@
   <p:transition spd="slow">
     <p:fade/>
   </p:transition>
-  <p:timing>
-    <p:tnLst>
-      <p:par>
-        <p:cTn id="1" dur="indefinite" restart="never" nodeType="tmRoot"/>
-      </p:par>
-    </p:tnLst>
-  </p:timing>
 </p:sld>
 </file>
 
@@ -17244,13 +17307,6 @@
   <p:transition spd="slow">
     <p:fade/>
   </p:transition>
-  <p:timing>
-    <p:tnLst>
-      <p:par>
-        <p:cTn id="1" dur="indefinite" restart="never" nodeType="tmRoot"/>
-      </p:par>
-    </p:tnLst>
-  </p:timing>
 </p:sld>
 </file>
 
